--- a/CS/image/CSPPT.pptx
+++ b/CS/image/CSPPT.pptx
@@ -9,6 +9,7 @@
     <p:sldId id="258" r:id="rId3"/>
     <p:sldId id="259" r:id="rId4"/>
     <p:sldId id="260" r:id="rId5"/>
+    <p:sldId id="261" r:id="rId6"/>
   </p:sldIdLst>
   <p:sldSz cx="12192000" cy="6858000"/>
   <p:notesSz cx="6858000" cy="9144000"/>
@@ -262,7 +263,7 @@
           <a:p>
             <a:fld id="{8C944238-4D02-4E8A-A65E-507BB207C386}" type="datetimeFigureOut">
               <a:rPr lang="ko-KR" altLang="en-US" smtClean="0"/>
-              <a:t>2022-04-01</a:t>
+              <a:t>2022-04-17</a:t>
             </a:fld>
             <a:endParaRPr lang="ko-KR" altLang="en-US"/>
           </a:p>
@@ -460,7 +461,7 @@
           <a:p>
             <a:fld id="{8C944238-4D02-4E8A-A65E-507BB207C386}" type="datetimeFigureOut">
               <a:rPr lang="ko-KR" altLang="en-US" smtClean="0"/>
-              <a:t>2022-04-01</a:t>
+              <a:t>2022-04-17</a:t>
             </a:fld>
             <a:endParaRPr lang="ko-KR" altLang="en-US"/>
           </a:p>
@@ -668,7 +669,7 @@
           <a:p>
             <a:fld id="{8C944238-4D02-4E8A-A65E-507BB207C386}" type="datetimeFigureOut">
               <a:rPr lang="ko-KR" altLang="en-US" smtClean="0"/>
-              <a:t>2022-04-01</a:t>
+              <a:t>2022-04-17</a:t>
             </a:fld>
             <a:endParaRPr lang="ko-KR" altLang="en-US"/>
           </a:p>
@@ -866,7 +867,7 @@
           <a:p>
             <a:fld id="{8C944238-4D02-4E8A-A65E-507BB207C386}" type="datetimeFigureOut">
               <a:rPr lang="ko-KR" altLang="en-US" smtClean="0"/>
-              <a:t>2022-04-01</a:t>
+              <a:t>2022-04-17</a:t>
             </a:fld>
             <a:endParaRPr lang="ko-KR" altLang="en-US"/>
           </a:p>
@@ -1141,7 +1142,7 @@
           <a:p>
             <a:fld id="{8C944238-4D02-4E8A-A65E-507BB207C386}" type="datetimeFigureOut">
               <a:rPr lang="ko-KR" altLang="en-US" smtClean="0"/>
-              <a:t>2022-04-01</a:t>
+              <a:t>2022-04-17</a:t>
             </a:fld>
             <a:endParaRPr lang="ko-KR" altLang="en-US"/>
           </a:p>
@@ -1406,7 +1407,7 @@
           <a:p>
             <a:fld id="{8C944238-4D02-4E8A-A65E-507BB207C386}" type="datetimeFigureOut">
               <a:rPr lang="ko-KR" altLang="en-US" smtClean="0"/>
-              <a:t>2022-04-01</a:t>
+              <a:t>2022-04-17</a:t>
             </a:fld>
             <a:endParaRPr lang="ko-KR" altLang="en-US"/>
           </a:p>
@@ -1818,7 +1819,7 @@
           <a:p>
             <a:fld id="{8C944238-4D02-4E8A-A65E-507BB207C386}" type="datetimeFigureOut">
               <a:rPr lang="ko-KR" altLang="en-US" smtClean="0"/>
-              <a:t>2022-04-01</a:t>
+              <a:t>2022-04-17</a:t>
             </a:fld>
             <a:endParaRPr lang="ko-KR" altLang="en-US"/>
           </a:p>
@@ -1959,7 +1960,7 @@
           <a:p>
             <a:fld id="{8C944238-4D02-4E8A-A65E-507BB207C386}" type="datetimeFigureOut">
               <a:rPr lang="ko-KR" altLang="en-US" smtClean="0"/>
-              <a:t>2022-04-01</a:t>
+              <a:t>2022-04-17</a:t>
             </a:fld>
             <a:endParaRPr lang="ko-KR" altLang="en-US"/>
           </a:p>
@@ -2072,7 +2073,7 @@
           <a:p>
             <a:fld id="{8C944238-4D02-4E8A-A65E-507BB207C386}" type="datetimeFigureOut">
               <a:rPr lang="ko-KR" altLang="en-US" smtClean="0"/>
-              <a:t>2022-04-01</a:t>
+              <a:t>2022-04-17</a:t>
             </a:fld>
             <a:endParaRPr lang="ko-KR" altLang="en-US"/>
           </a:p>
@@ -2383,7 +2384,7 @@
           <a:p>
             <a:fld id="{8C944238-4D02-4E8A-A65E-507BB207C386}" type="datetimeFigureOut">
               <a:rPr lang="ko-KR" altLang="en-US" smtClean="0"/>
-              <a:t>2022-04-01</a:t>
+              <a:t>2022-04-17</a:t>
             </a:fld>
             <a:endParaRPr lang="ko-KR" altLang="en-US"/>
           </a:p>
@@ -2671,7 +2672,7 @@
           <a:p>
             <a:fld id="{8C944238-4D02-4E8A-A65E-507BB207C386}" type="datetimeFigureOut">
               <a:rPr lang="ko-KR" altLang="en-US" smtClean="0"/>
-              <a:t>2022-04-01</a:t>
+              <a:t>2022-04-17</a:t>
             </a:fld>
             <a:endParaRPr lang="ko-KR" altLang="en-US"/>
           </a:p>
@@ -2912,7 +2913,7 @@
           <a:p>
             <a:fld id="{8C944238-4D02-4E8A-A65E-507BB207C386}" type="datetimeFigureOut">
               <a:rPr lang="ko-KR" altLang="en-US" smtClean="0"/>
-              <a:t>2022-04-01</a:t>
+              <a:t>2022-04-17</a:t>
             </a:fld>
             <a:endParaRPr lang="ko-KR" altLang="en-US"/>
           </a:p>
@@ -7955,6 +7956,392 @@
 </p:sld>
 </file>
 
+<file path=ppt/slides/slide5.xml><?xml version="1.0" encoding="utf-8"?>
+<p:sld xmlns:a="http://schemas.openxmlformats.org/drawingml/2006/main" xmlns:r="http://schemas.openxmlformats.org/officeDocument/2006/relationships" xmlns:p="http://schemas.openxmlformats.org/presentationml/2006/main">
+  <p:cSld>
+    <p:spTree>
+      <p:nvGrpSpPr>
+        <p:cNvPr id="1" name=""/>
+        <p:cNvGrpSpPr/>
+        <p:nvPr/>
+      </p:nvGrpSpPr>
+      <p:grpSpPr>
+        <a:xfrm>
+          <a:off x="0" y="0"/>
+          <a:ext cx="0" cy="0"/>
+          <a:chOff x="0" y="0"/>
+          <a:chExt cx="0" cy="0"/>
+        </a:xfrm>
+      </p:grpSpPr>
+      <p:sp>
+        <p:nvSpPr>
+          <p:cNvPr id="6" name="직사각형 5">
+            <a:extLst>
+              <a:ext uri="{FF2B5EF4-FFF2-40B4-BE49-F238E27FC236}">
+                <a16:creationId xmlns:a16="http://schemas.microsoft.com/office/drawing/2014/main" id="{81028A36-A5BA-496F-83BC-471145E9B2CA}"/>
+              </a:ext>
+            </a:extLst>
+          </p:cNvPr>
+          <p:cNvSpPr/>
+          <p:nvPr/>
+        </p:nvSpPr>
+        <p:spPr>
+          <a:xfrm>
+            <a:off x="7881256" y="1985555"/>
+            <a:ext cx="1894115" cy="1541417"/>
+          </a:xfrm>
+          <a:prstGeom prst="rect">
+            <a:avLst/>
+          </a:prstGeom>
+          <a:solidFill>
+            <a:schemeClr val="accent1">
+              <a:lumMod val="20000"/>
+              <a:lumOff val="80000"/>
+            </a:schemeClr>
+          </a:solidFill>
+        </p:spPr>
+        <p:style>
+          <a:lnRef idx="2">
+            <a:schemeClr val="accent1">
+              <a:shade val="50000"/>
+            </a:schemeClr>
+          </a:lnRef>
+          <a:fillRef idx="1">
+            <a:schemeClr val="accent1"/>
+          </a:fillRef>
+          <a:effectRef idx="0">
+            <a:schemeClr val="accent1"/>
+          </a:effectRef>
+          <a:fontRef idx="minor">
+            <a:schemeClr val="lt1"/>
+          </a:fontRef>
+        </p:style>
+        <p:txBody>
+          <a:bodyPr rtlCol="0" anchor="ctr"/>
+          <a:lstStyle/>
+          <a:p>
+            <a:pPr algn="ctr"/>
+            <a:r>
+              <a:rPr lang="en-US" altLang="ko-KR" sz="2600" b="1">
+                <a:solidFill>
+                  <a:sysClr val="windowText" lastClr="000000"/>
+                </a:solidFill>
+              </a:rPr>
+              <a:t>server</a:t>
+            </a:r>
+            <a:endParaRPr lang="ko-KR" altLang="en-US" sz="2600" b="1">
+              <a:solidFill>
+                <a:sysClr val="windowText" lastClr="000000"/>
+              </a:solidFill>
+            </a:endParaRPr>
+          </a:p>
+        </p:txBody>
+      </p:sp>
+      <p:sp>
+        <p:nvSpPr>
+          <p:cNvPr id="7" name="직사각형 6">
+            <a:extLst>
+              <a:ext uri="{FF2B5EF4-FFF2-40B4-BE49-F238E27FC236}">
+                <a16:creationId xmlns:a16="http://schemas.microsoft.com/office/drawing/2014/main" id="{BA207FAC-85F5-4328-BF72-1D2E954382AC}"/>
+              </a:ext>
+            </a:extLst>
+          </p:cNvPr>
+          <p:cNvSpPr/>
+          <p:nvPr/>
+        </p:nvSpPr>
+        <p:spPr>
+          <a:xfrm>
+            <a:off x="4415245" y="1985554"/>
+            <a:ext cx="1894115" cy="1541417"/>
+          </a:xfrm>
+          <a:prstGeom prst="rect">
+            <a:avLst/>
+          </a:prstGeom>
+          <a:solidFill>
+            <a:schemeClr val="accent1">
+              <a:lumMod val="20000"/>
+              <a:lumOff val="80000"/>
+            </a:schemeClr>
+          </a:solidFill>
+        </p:spPr>
+        <p:style>
+          <a:lnRef idx="2">
+            <a:schemeClr val="accent1">
+              <a:shade val="50000"/>
+            </a:schemeClr>
+          </a:lnRef>
+          <a:fillRef idx="1">
+            <a:schemeClr val="accent1"/>
+          </a:fillRef>
+          <a:effectRef idx="0">
+            <a:schemeClr val="accent1"/>
+          </a:effectRef>
+          <a:fontRef idx="minor">
+            <a:schemeClr val="lt1"/>
+          </a:fontRef>
+        </p:style>
+        <p:txBody>
+          <a:bodyPr rtlCol="0" anchor="ctr"/>
+          <a:lstStyle/>
+          <a:p>
+            <a:pPr algn="ctr"/>
+            <a:r>
+              <a:rPr lang="en-US" altLang="ko-KR" sz="2600" b="1">
+                <a:solidFill>
+                  <a:sysClr val="windowText" lastClr="000000"/>
+                </a:solidFill>
+              </a:rPr>
+              <a:t>user</a:t>
+            </a:r>
+            <a:endParaRPr lang="ko-KR" altLang="en-US" sz="2600" b="1">
+              <a:solidFill>
+                <a:sysClr val="windowText" lastClr="000000"/>
+              </a:solidFill>
+            </a:endParaRPr>
+          </a:p>
+        </p:txBody>
+      </p:sp>
+      <p:sp>
+        <p:nvSpPr>
+          <p:cNvPr id="8" name="직사각형 7">
+            <a:extLst>
+              <a:ext uri="{FF2B5EF4-FFF2-40B4-BE49-F238E27FC236}">
+                <a16:creationId xmlns:a16="http://schemas.microsoft.com/office/drawing/2014/main" id="{7B624402-0D11-462B-9BC6-A3587CBDEA86}"/>
+              </a:ext>
+            </a:extLst>
+          </p:cNvPr>
+          <p:cNvSpPr/>
+          <p:nvPr/>
+        </p:nvSpPr>
+        <p:spPr>
+          <a:xfrm>
+            <a:off x="944880" y="1985554"/>
+            <a:ext cx="1894115" cy="1541417"/>
+          </a:xfrm>
+          <a:prstGeom prst="rect">
+            <a:avLst/>
+          </a:prstGeom>
+          <a:solidFill>
+            <a:schemeClr val="accent1">
+              <a:lumMod val="20000"/>
+              <a:lumOff val="80000"/>
+            </a:schemeClr>
+          </a:solidFill>
+        </p:spPr>
+        <p:style>
+          <a:lnRef idx="2">
+            <a:schemeClr val="accent1">
+              <a:shade val="50000"/>
+            </a:schemeClr>
+          </a:lnRef>
+          <a:fillRef idx="1">
+            <a:schemeClr val="accent1"/>
+          </a:fillRef>
+          <a:effectRef idx="0">
+            <a:schemeClr val="accent1"/>
+          </a:effectRef>
+          <a:fontRef idx="minor">
+            <a:schemeClr val="lt1"/>
+          </a:fontRef>
+        </p:style>
+        <p:txBody>
+          <a:bodyPr rtlCol="0" anchor="ctr"/>
+          <a:lstStyle/>
+          <a:p>
+            <a:pPr algn="ctr"/>
+            <a:r>
+              <a:rPr lang="en-US" altLang="ko-KR" sz="2600" b="1">
+                <a:solidFill>
+                  <a:sysClr val="windowText" lastClr="000000"/>
+                </a:solidFill>
+              </a:rPr>
+              <a:t>hacker</a:t>
+            </a:r>
+            <a:endParaRPr lang="ko-KR" altLang="en-US" sz="2600" b="1">
+              <a:solidFill>
+                <a:sysClr val="windowText" lastClr="000000"/>
+              </a:solidFill>
+            </a:endParaRPr>
+          </a:p>
+        </p:txBody>
+      </p:sp>
+      <p:sp>
+        <p:nvSpPr>
+          <p:cNvPr id="9" name="TextBox 8">
+            <a:extLst>
+              <a:ext uri="{FF2B5EF4-FFF2-40B4-BE49-F238E27FC236}">
+                <a16:creationId xmlns:a16="http://schemas.microsoft.com/office/drawing/2014/main" id="{1755E548-3AFE-4295-BE51-31C8CBE37C43}"/>
+              </a:ext>
+            </a:extLst>
+          </p:cNvPr>
+          <p:cNvSpPr txBox="1"/>
+          <p:nvPr/>
+        </p:nvSpPr>
+        <p:spPr>
+          <a:xfrm>
+            <a:off x="770709" y="561703"/>
+            <a:ext cx="1711234" cy="492443"/>
+          </a:xfrm>
+          <a:prstGeom prst="rect">
+            <a:avLst/>
+          </a:prstGeom>
+          <a:noFill/>
+        </p:spPr>
+        <p:txBody>
+          <a:bodyPr wrap="square" rtlCol="0">
+            <a:spAutoFit/>
+          </a:bodyPr>
+          <a:lstStyle/>
+          <a:p>
+            <a:r>
+              <a:rPr lang="en-US" altLang="ko-KR" sz="2600" b="1"/>
+              <a:t>CSRF</a:t>
+            </a:r>
+            <a:endParaRPr lang="ko-KR" altLang="en-US" sz="2600" b="1"/>
+          </a:p>
+        </p:txBody>
+      </p:sp>
+      <p:sp>
+        <p:nvSpPr>
+          <p:cNvPr id="10" name="화살표: 오른쪽 9">
+            <a:extLst>
+              <a:ext uri="{FF2B5EF4-FFF2-40B4-BE49-F238E27FC236}">
+                <a16:creationId xmlns:a16="http://schemas.microsoft.com/office/drawing/2014/main" id="{81239F0A-ECC8-4EB3-8D7C-36F371E0FEF1}"/>
+              </a:ext>
+            </a:extLst>
+          </p:cNvPr>
+          <p:cNvSpPr/>
+          <p:nvPr/>
+        </p:nvSpPr>
+        <p:spPr>
+          <a:xfrm>
+            <a:off x="6479177" y="2272937"/>
+            <a:ext cx="1123406" cy="274320"/>
+          </a:xfrm>
+          <a:prstGeom prst="rightArrow">
+            <a:avLst/>
+          </a:prstGeom>
+        </p:spPr>
+        <p:style>
+          <a:lnRef idx="2">
+            <a:schemeClr val="accent1">
+              <a:shade val="50000"/>
+            </a:schemeClr>
+          </a:lnRef>
+          <a:fillRef idx="1">
+            <a:schemeClr val="accent1"/>
+          </a:fillRef>
+          <a:effectRef idx="0">
+            <a:schemeClr val="accent1"/>
+          </a:effectRef>
+          <a:fontRef idx="minor">
+            <a:schemeClr val="lt1"/>
+          </a:fontRef>
+        </p:style>
+        <p:txBody>
+          <a:bodyPr rtlCol="0" anchor="ctr"/>
+          <a:lstStyle/>
+          <a:p>
+            <a:pPr algn="ctr"/>
+            <a:endParaRPr lang="ko-KR" altLang="en-US"/>
+          </a:p>
+        </p:txBody>
+      </p:sp>
+      <p:sp>
+        <p:nvSpPr>
+          <p:cNvPr id="11" name="TextBox 10">
+            <a:extLst>
+              <a:ext uri="{FF2B5EF4-FFF2-40B4-BE49-F238E27FC236}">
+                <a16:creationId xmlns:a16="http://schemas.microsoft.com/office/drawing/2014/main" id="{8F26AFE9-ABBD-4F01-BBF4-8733624CFEC1}"/>
+              </a:ext>
+            </a:extLst>
+          </p:cNvPr>
+          <p:cNvSpPr txBox="1"/>
+          <p:nvPr/>
+        </p:nvSpPr>
+        <p:spPr>
+          <a:xfrm>
+            <a:off x="6729548" y="1867989"/>
+            <a:ext cx="731520" cy="369332"/>
+          </a:xfrm>
+          <a:prstGeom prst="rect">
+            <a:avLst/>
+          </a:prstGeom>
+          <a:noFill/>
+        </p:spPr>
+        <p:txBody>
+          <a:bodyPr wrap="square" rtlCol="0">
+            <a:spAutoFit/>
+          </a:bodyPr>
+          <a:lstStyle/>
+          <a:p>
+            <a:r>
+              <a:rPr lang="en-US" altLang="ko-KR"/>
+              <a:t>1</a:t>
+            </a:r>
+            <a:endParaRPr lang="ko-KR" altLang="en-US"/>
+          </a:p>
+        </p:txBody>
+      </p:sp>
+      <p:sp>
+        <p:nvSpPr>
+          <p:cNvPr id="12" name="화살표: 오른쪽 11">
+            <a:extLst>
+              <a:ext uri="{FF2B5EF4-FFF2-40B4-BE49-F238E27FC236}">
+                <a16:creationId xmlns:a16="http://schemas.microsoft.com/office/drawing/2014/main" id="{9472C21F-377C-4714-B895-0E5A46E6DDC7}"/>
+              </a:ext>
+            </a:extLst>
+          </p:cNvPr>
+          <p:cNvSpPr/>
+          <p:nvPr/>
+        </p:nvSpPr>
+        <p:spPr>
+          <a:xfrm rot="10800000">
+            <a:off x="6479177" y="3000102"/>
+            <a:ext cx="1123406" cy="274320"/>
+          </a:xfrm>
+          <a:prstGeom prst="rightArrow">
+            <a:avLst/>
+          </a:prstGeom>
+        </p:spPr>
+        <p:style>
+          <a:lnRef idx="2">
+            <a:schemeClr val="accent1">
+              <a:shade val="50000"/>
+            </a:schemeClr>
+          </a:lnRef>
+          <a:fillRef idx="1">
+            <a:schemeClr val="accent1"/>
+          </a:fillRef>
+          <a:effectRef idx="0">
+            <a:schemeClr val="accent1"/>
+          </a:effectRef>
+          <a:fontRef idx="minor">
+            <a:schemeClr val="lt1"/>
+          </a:fontRef>
+        </p:style>
+        <p:txBody>
+          <a:bodyPr rtlCol="0" anchor="ctr"/>
+          <a:lstStyle/>
+          <a:p>
+            <a:pPr algn="ctr"/>
+            <a:endParaRPr lang="ko-KR" altLang="en-US"/>
+          </a:p>
+        </p:txBody>
+      </p:sp>
+    </p:spTree>
+    <p:extLst>
+      <p:ext uri="{BB962C8B-B14F-4D97-AF65-F5344CB8AC3E}">
+        <p14:creationId xmlns:p14="http://schemas.microsoft.com/office/powerpoint/2010/main" val="4076842390"/>
+      </p:ext>
+    </p:extLst>
+  </p:cSld>
+  <p:clrMapOvr>
+    <a:masterClrMapping/>
+  </p:clrMapOvr>
+</p:sld>
+</file>
+
 <file path=ppt/theme/theme1.xml><?xml version="1.0" encoding="utf-8"?>
 <a:theme xmlns:a="http://schemas.openxmlformats.org/drawingml/2006/main" name="Office 테마">
   <a:themeElements>

--- a/CS/image/CSPPT.pptx
+++ b/CS/image/CSPPT.pptx
@@ -10,6 +10,7 @@
     <p:sldId id="259" r:id="rId4"/>
     <p:sldId id="260" r:id="rId5"/>
     <p:sldId id="261" r:id="rId6"/>
+    <p:sldId id="262" r:id="rId7"/>
   </p:sldIdLst>
   <p:sldSz cx="12192000" cy="6858000"/>
   <p:notesSz cx="6858000" cy="9144000"/>
@@ -263,7 +264,7 @@
           <a:p>
             <a:fld id="{8C944238-4D02-4E8A-A65E-507BB207C386}" type="datetimeFigureOut">
               <a:rPr lang="ko-KR" altLang="en-US" smtClean="0"/>
-              <a:t>2022-04-17</a:t>
+              <a:t>2022-04-26</a:t>
             </a:fld>
             <a:endParaRPr lang="ko-KR" altLang="en-US"/>
           </a:p>
@@ -461,7 +462,7 @@
           <a:p>
             <a:fld id="{8C944238-4D02-4E8A-A65E-507BB207C386}" type="datetimeFigureOut">
               <a:rPr lang="ko-KR" altLang="en-US" smtClean="0"/>
-              <a:t>2022-04-17</a:t>
+              <a:t>2022-04-26</a:t>
             </a:fld>
             <a:endParaRPr lang="ko-KR" altLang="en-US"/>
           </a:p>
@@ -669,7 +670,7 @@
           <a:p>
             <a:fld id="{8C944238-4D02-4E8A-A65E-507BB207C386}" type="datetimeFigureOut">
               <a:rPr lang="ko-KR" altLang="en-US" smtClean="0"/>
-              <a:t>2022-04-17</a:t>
+              <a:t>2022-04-26</a:t>
             </a:fld>
             <a:endParaRPr lang="ko-KR" altLang="en-US"/>
           </a:p>
@@ -867,7 +868,7 @@
           <a:p>
             <a:fld id="{8C944238-4D02-4E8A-A65E-507BB207C386}" type="datetimeFigureOut">
               <a:rPr lang="ko-KR" altLang="en-US" smtClean="0"/>
-              <a:t>2022-04-17</a:t>
+              <a:t>2022-04-26</a:t>
             </a:fld>
             <a:endParaRPr lang="ko-KR" altLang="en-US"/>
           </a:p>
@@ -1142,7 +1143,7 @@
           <a:p>
             <a:fld id="{8C944238-4D02-4E8A-A65E-507BB207C386}" type="datetimeFigureOut">
               <a:rPr lang="ko-KR" altLang="en-US" smtClean="0"/>
-              <a:t>2022-04-17</a:t>
+              <a:t>2022-04-26</a:t>
             </a:fld>
             <a:endParaRPr lang="ko-KR" altLang="en-US"/>
           </a:p>
@@ -1407,7 +1408,7 @@
           <a:p>
             <a:fld id="{8C944238-4D02-4E8A-A65E-507BB207C386}" type="datetimeFigureOut">
               <a:rPr lang="ko-KR" altLang="en-US" smtClean="0"/>
-              <a:t>2022-04-17</a:t>
+              <a:t>2022-04-26</a:t>
             </a:fld>
             <a:endParaRPr lang="ko-KR" altLang="en-US"/>
           </a:p>
@@ -1819,7 +1820,7 @@
           <a:p>
             <a:fld id="{8C944238-4D02-4E8A-A65E-507BB207C386}" type="datetimeFigureOut">
               <a:rPr lang="ko-KR" altLang="en-US" smtClean="0"/>
-              <a:t>2022-04-17</a:t>
+              <a:t>2022-04-26</a:t>
             </a:fld>
             <a:endParaRPr lang="ko-KR" altLang="en-US"/>
           </a:p>
@@ -1960,7 +1961,7 @@
           <a:p>
             <a:fld id="{8C944238-4D02-4E8A-A65E-507BB207C386}" type="datetimeFigureOut">
               <a:rPr lang="ko-KR" altLang="en-US" smtClean="0"/>
-              <a:t>2022-04-17</a:t>
+              <a:t>2022-04-26</a:t>
             </a:fld>
             <a:endParaRPr lang="ko-KR" altLang="en-US"/>
           </a:p>
@@ -2073,7 +2074,7 @@
           <a:p>
             <a:fld id="{8C944238-4D02-4E8A-A65E-507BB207C386}" type="datetimeFigureOut">
               <a:rPr lang="ko-KR" altLang="en-US" smtClean="0"/>
-              <a:t>2022-04-17</a:t>
+              <a:t>2022-04-26</a:t>
             </a:fld>
             <a:endParaRPr lang="ko-KR" altLang="en-US"/>
           </a:p>
@@ -2384,7 +2385,7 @@
           <a:p>
             <a:fld id="{8C944238-4D02-4E8A-A65E-507BB207C386}" type="datetimeFigureOut">
               <a:rPr lang="ko-KR" altLang="en-US" smtClean="0"/>
-              <a:t>2022-04-17</a:t>
+              <a:t>2022-04-26</a:t>
             </a:fld>
             <a:endParaRPr lang="ko-KR" altLang="en-US"/>
           </a:p>
@@ -2672,7 +2673,7 @@
           <a:p>
             <a:fld id="{8C944238-4D02-4E8A-A65E-507BB207C386}" type="datetimeFigureOut">
               <a:rPr lang="ko-KR" altLang="en-US" smtClean="0"/>
-              <a:t>2022-04-17</a:t>
+              <a:t>2022-04-26</a:t>
             </a:fld>
             <a:endParaRPr lang="ko-KR" altLang="en-US"/>
           </a:p>
@@ -2913,7 +2914,7 @@
           <a:p>
             <a:fld id="{8C944238-4D02-4E8A-A65E-507BB207C386}" type="datetimeFigureOut">
               <a:rPr lang="ko-KR" altLang="en-US" smtClean="0"/>
-              <a:t>2022-04-17</a:t>
+              <a:t>2022-04-26</a:t>
             </a:fld>
             <a:endParaRPr lang="ko-KR" altLang="en-US"/>
           </a:p>
@@ -8342,6 +8343,352 @@
 </p:sld>
 </file>
 
+<file path=ppt/slides/slide6.xml><?xml version="1.0" encoding="utf-8"?>
+<p:sld xmlns:a="http://schemas.openxmlformats.org/drawingml/2006/main" xmlns:r="http://schemas.openxmlformats.org/officeDocument/2006/relationships" xmlns:p="http://schemas.openxmlformats.org/presentationml/2006/main">
+  <p:cSld>
+    <p:spTree>
+      <p:nvGrpSpPr>
+        <p:cNvPr id="1" name=""/>
+        <p:cNvGrpSpPr/>
+        <p:nvPr/>
+      </p:nvGrpSpPr>
+      <p:grpSpPr>
+        <a:xfrm>
+          <a:off x="0" y="0"/>
+          <a:ext cx="0" cy="0"/>
+          <a:chOff x="0" y="0"/>
+          <a:chExt cx="0" cy="0"/>
+        </a:xfrm>
+      </p:grpSpPr>
+      <p:sp>
+        <p:nvSpPr>
+          <p:cNvPr id="4" name="직사각형 3">
+            <a:extLst>
+              <a:ext uri="{FF2B5EF4-FFF2-40B4-BE49-F238E27FC236}">
+                <a16:creationId xmlns:a16="http://schemas.microsoft.com/office/drawing/2014/main" id="{029CD9F0-ABB8-49A9-BF5C-9A138041923B}"/>
+              </a:ext>
+            </a:extLst>
+          </p:cNvPr>
+          <p:cNvSpPr/>
+          <p:nvPr/>
+        </p:nvSpPr>
+        <p:spPr>
+          <a:xfrm>
+            <a:off x="1319348" y="287383"/>
+            <a:ext cx="1254036" cy="822959"/>
+          </a:xfrm>
+          <a:prstGeom prst="rect">
+            <a:avLst/>
+          </a:prstGeom>
+          <a:noFill/>
+        </p:spPr>
+        <p:style>
+          <a:lnRef idx="2">
+            <a:schemeClr val="accent1">
+              <a:shade val="50000"/>
+            </a:schemeClr>
+          </a:lnRef>
+          <a:fillRef idx="1">
+            <a:schemeClr val="accent1"/>
+          </a:fillRef>
+          <a:effectRef idx="0">
+            <a:schemeClr val="accent1"/>
+          </a:effectRef>
+          <a:fontRef idx="minor">
+            <a:schemeClr val="lt1"/>
+          </a:fontRef>
+        </p:style>
+        <p:txBody>
+          <a:bodyPr rtlCol="0" anchor="ctr"/>
+          <a:lstStyle/>
+          <a:p>
+            <a:pPr algn="ctr"/>
+            <a:r>
+              <a:rPr lang="en-US" altLang="ko-KR" sz="2600" b="1">
+                <a:solidFill>
+                  <a:schemeClr val="tx1"/>
+                </a:solidFill>
+              </a:rPr>
+              <a:t>client</a:t>
+            </a:r>
+            <a:endParaRPr lang="ko-KR" altLang="en-US" sz="2600" b="1">
+              <a:solidFill>
+                <a:schemeClr val="tx1"/>
+              </a:solidFill>
+            </a:endParaRPr>
+          </a:p>
+        </p:txBody>
+      </p:sp>
+      <p:sp>
+        <p:nvSpPr>
+          <p:cNvPr id="5" name="직사각형 4">
+            <a:extLst>
+              <a:ext uri="{FF2B5EF4-FFF2-40B4-BE49-F238E27FC236}">
+                <a16:creationId xmlns:a16="http://schemas.microsoft.com/office/drawing/2014/main" id="{ADD100A9-D906-4D8A-97CB-B3B3D8A7C869}"/>
+              </a:ext>
+            </a:extLst>
+          </p:cNvPr>
+          <p:cNvSpPr/>
+          <p:nvPr/>
+        </p:nvSpPr>
+        <p:spPr>
+          <a:xfrm>
+            <a:off x="6096000" y="287383"/>
+            <a:ext cx="1254036" cy="822959"/>
+          </a:xfrm>
+          <a:prstGeom prst="rect">
+            <a:avLst/>
+          </a:prstGeom>
+          <a:noFill/>
+        </p:spPr>
+        <p:style>
+          <a:lnRef idx="2">
+            <a:schemeClr val="accent1">
+              <a:shade val="50000"/>
+            </a:schemeClr>
+          </a:lnRef>
+          <a:fillRef idx="1">
+            <a:schemeClr val="accent1"/>
+          </a:fillRef>
+          <a:effectRef idx="0">
+            <a:schemeClr val="accent1"/>
+          </a:effectRef>
+          <a:fontRef idx="minor">
+            <a:schemeClr val="lt1"/>
+          </a:fontRef>
+        </p:style>
+        <p:txBody>
+          <a:bodyPr rtlCol="0" anchor="ctr"/>
+          <a:lstStyle/>
+          <a:p>
+            <a:pPr algn="ctr"/>
+            <a:r>
+              <a:rPr lang="en-US" altLang="ko-KR" sz="2600" b="1">
+                <a:solidFill>
+                  <a:schemeClr val="tx1"/>
+                </a:solidFill>
+              </a:rPr>
+              <a:t>server</a:t>
+            </a:r>
+            <a:endParaRPr lang="ko-KR" altLang="en-US" sz="2600" b="1">
+              <a:solidFill>
+                <a:schemeClr val="tx1"/>
+              </a:solidFill>
+            </a:endParaRPr>
+          </a:p>
+        </p:txBody>
+      </p:sp>
+      <p:cxnSp>
+        <p:nvCxnSpPr>
+          <p:cNvPr id="7" name="직선 화살표 연결선 6">
+            <a:extLst>
+              <a:ext uri="{FF2B5EF4-FFF2-40B4-BE49-F238E27FC236}">
+                <a16:creationId xmlns:a16="http://schemas.microsoft.com/office/drawing/2014/main" id="{A9A0D7C6-05D5-46EB-9A64-AABD504E1345}"/>
+              </a:ext>
+            </a:extLst>
+          </p:cNvPr>
+          <p:cNvCxnSpPr>
+            <a:stCxn id="4" idx="2"/>
+          </p:cNvCxnSpPr>
+          <p:nvPr/>
+        </p:nvCxnSpPr>
+        <p:spPr>
+          <a:xfrm>
+            <a:off x="1946366" y="1110342"/>
+            <a:ext cx="0" cy="4728755"/>
+          </a:xfrm>
+          <a:prstGeom prst="straightConnector1">
+            <a:avLst/>
+          </a:prstGeom>
+          <a:ln>
+            <a:tailEnd type="triangle"/>
+          </a:ln>
+        </p:spPr>
+        <p:style>
+          <a:lnRef idx="1">
+            <a:schemeClr val="accent1"/>
+          </a:lnRef>
+          <a:fillRef idx="0">
+            <a:schemeClr val="accent1"/>
+          </a:fillRef>
+          <a:effectRef idx="0">
+            <a:schemeClr val="accent1"/>
+          </a:effectRef>
+          <a:fontRef idx="minor">
+            <a:schemeClr val="tx1"/>
+          </a:fontRef>
+        </p:style>
+      </p:cxnSp>
+      <p:cxnSp>
+        <p:nvCxnSpPr>
+          <p:cNvPr id="8" name="직선 화살표 연결선 7">
+            <a:extLst>
+              <a:ext uri="{FF2B5EF4-FFF2-40B4-BE49-F238E27FC236}">
+                <a16:creationId xmlns:a16="http://schemas.microsoft.com/office/drawing/2014/main" id="{97B42041-3E86-4CD1-9F09-CDACA7F674A7}"/>
+              </a:ext>
+            </a:extLst>
+          </p:cNvPr>
+          <p:cNvCxnSpPr>
+            <a:cxnSpLocks/>
+            <a:stCxn id="5" idx="2"/>
+          </p:cNvCxnSpPr>
+          <p:nvPr/>
+        </p:nvCxnSpPr>
+        <p:spPr>
+          <a:xfrm>
+            <a:off x="6723018" y="1110342"/>
+            <a:ext cx="0" cy="4728755"/>
+          </a:xfrm>
+          <a:prstGeom prst="straightConnector1">
+            <a:avLst/>
+          </a:prstGeom>
+          <a:ln>
+            <a:tailEnd type="triangle"/>
+          </a:ln>
+        </p:spPr>
+        <p:style>
+          <a:lnRef idx="1">
+            <a:schemeClr val="accent1"/>
+          </a:lnRef>
+          <a:fillRef idx="0">
+            <a:schemeClr val="accent1"/>
+          </a:fillRef>
+          <a:effectRef idx="0">
+            <a:schemeClr val="accent1"/>
+          </a:effectRef>
+          <a:fontRef idx="minor">
+            <a:schemeClr val="tx1"/>
+          </a:fontRef>
+        </p:style>
+      </p:cxnSp>
+      <p:cxnSp>
+        <p:nvCxnSpPr>
+          <p:cNvPr id="12" name="직선 화살표 연결선 11">
+            <a:extLst>
+              <a:ext uri="{FF2B5EF4-FFF2-40B4-BE49-F238E27FC236}">
+                <a16:creationId xmlns:a16="http://schemas.microsoft.com/office/drawing/2014/main" id="{17DB8432-4A27-49DF-9011-BBED2089C71D}"/>
+              </a:ext>
+            </a:extLst>
+          </p:cNvPr>
+          <p:cNvCxnSpPr/>
+          <p:nvPr/>
+        </p:nvCxnSpPr>
+        <p:spPr>
+          <a:xfrm flipH="1">
+            <a:off x="1946366" y="3429000"/>
+            <a:ext cx="4776652" cy="0"/>
+          </a:xfrm>
+          <a:prstGeom prst="straightConnector1">
+            <a:avLst/>
+          </a:prstGeom>
+          <a:ln>
+            <a:tailEnd type="triangle"/>
+          </a:ln>
+        </p:spPr>
+        <p:style>
+          <a:lnRef idx="1">
+            <a:schemeClr val="accent2"/>
+          </a:lnRef>
+          <a:fillRef idx="0">
+            <a:schemeClr val="accent2"/>
+          </a:fillRef>
+          <a:effectRef idx="0">
+            <a:schemeClr val="accent2"/>
+          </a:effectRef>
+          <a:fontRef idx="minor">
+            <a:schemeClr val="tx1"/>
+          </a:fontRef>
+        </p:style>
+      </p:cxnSp>
+      <p:sp>
+        <p:nvSpPr>
+          <p:cNvPr id="13" name="TextBox 12">
+            <a:extLst>
+              <a:ext uri="{FF2B5EF4-FFF2-40B4-BE49-F238E27FC236}">
+                <a16:creationId xmlns:a16="http://schemas.microsoft.com/office/drawing/2014/main" id="{398BA06C-7689-4F82-A398-9E40D584B6FF}"/>
+              </a:ext>
+            </a:extLst>
+          </p:cNvPr>
+          <p:cNvSpPr txBox="1"/>
+          <p:nvPr/>
+        </p:nvSpPr>
+        <p:spPr>
+          <a:xfrm>
+            <a:off x="3762103" y="3059668"/>
+            <a:ext cx="1515291" cy="369332"/>
+          </a:xfrm>
+          <a:prstGeom prst="rect">
+            <a:avLst/>
+          </a:prstGeom>
+          <a:noFill/>
+        </p:spPr>
+        <p:txBody>
+          <a:bodyPr wrap="square" rtlCol="0">
+            <a:spAutoFit/>
+          </a:bodyPr>
+          <a:lstStyle/>
+          <a:p>
+            <a:r>
+              <a:rPr lang="ko-KR" altLang="en-US"/>
+              <a:t>인증서</a:t>
+            </a:r>
+          </a:p>
+        </p:txBody>
+      </p:sp>
+      <p:cxnSp>
+        <p:nvCxnSpPr>
+          <p:cNvPr id="14" name="직선 화살표 연결선 13">
+            <a:extLst>
+              <a:ext uri="{FF2B5EF4-FFF2-40B4-BE49-F238E27FC236}">
+                <a16:creationId xmlns:a16="http://schemas.microsoft.com/office/drawing/2014/main" id="{E8E87F76-9991-436E-A085-861C5DA4A80D}"/>
+              </a:ext>
+            </a:extLst>
+          </p:cNvPr>
+          <p:cNvCxnSpPr>
+            <a:cxnSpLocks/>
+          </p:cNvCxnSpPr>
+          <p:nvPr/>
+        </p:nvCxnSpPr>
+        <p:spPr>
+          <a:xfrm>
+            <a:off x="1950721" y="4391297"/>
+            <a:ext cx="4772297" cy="0"/>
+          </a:xfrm>
+          <a:prstGeom prst="straightConnector1">
+            <a:avLst/>
+          </a:prstGeom>
+          <a:ln>
+            <a:tailEnd type="triangle"/>
+          </a:ln>
+        </p:spPr>
+        <p:style>
+          <a:lnRef idx="1">
+            <a:schemeClr val="accent1"/>
+          </a:lnRef>
+          <a:fillRef idx="0">
+            <a:schemeClr val="accent1"/>
+          </a:fillRef>
+          <a:effectRef idx="0">
+            <a:schemeClr val="accent1"/>
+          </a:effectRef>
+          <a:fontRef idx="minor">
+            <a:schemeClr val="tx1"/>
+          </a:fontRef>
+        </p:style>
+      </p:cxnSp>
+    </p:spTree>
+    <p:extLst>
+      <p:ext uri="{BB962C8B-B14F-4D97-AF65-F5344CB8AC3E}">
+        <p14:creationId xmlns:p14="http://schemas.microsoft.com/office/powerpoint/2010/main" val="4219643836"/>
+      </p:ext>
+    </p:extLst>
+  </p:cSld>
+  <p:clrMapOvr>
+    <a:masterClrMapping/>
+  </p:clrMapOvr>
+</p:sld>
+</file>
+
 <file path=ppt/theme/theme1.xml><?xml version="1.0" encoding="utf-8"?>
 <a:theme xmlns:a="http://schemas.openxmlformats.org/drawingml/2006/main" name="Office 테마">
   <a:themeElements>
